--- a/Adaptive Replacement Cache Algorithm.pptx
+++ b/Adaptive Replacement Cache Algorithm.pptx
@@ -14,6 +14,9 @@
     <p:sldId id="262" r:id="rId8"/>
     <p:sldId id="263" r:id="rId9"/>
     <p:sldId id="264" r:id="rId10"/>
+    <p:sldId id="266" r:id="rId11"/>
+    <p:sldId id="267" r:id="rId12"/>
+    <p:sldId id="265" r:id="rId13"/>
   </p:sldIdLst>
   <p:sldSz cx="12192000" cy="6858000"/>
   <p:notesSz cx="6858000" cy="9144000"/>
@@ -3315,6 +3318,14 @@
 <file path=ppt/slides/slide1.xml><?xml version="1.0" encoding="utf-8"?>
 <p:sld xmlns:a="http://schemas.openxmlformats.org/drawingml/2006/main" xmlns:r="http://schemas.openxmlformats.org/officeDocument/2006/relationships" xmlns:p="http://schemas.openxmlformats.org/presentationml/2006/main">
   <p:cSld>
+    <p:bg>
+      <p:bgPr>
+        <a:solidFill>
+          <a:schemeClr val="bg1"/>
+        </a:solidFill>
+        <a:effectLst/>
+      </p:bgPr>
+    </p:bg>
     <p:spTree>
       <p:nvGrpSpPr>
         <p:cNvPr id="1" name=""/>
@@ -3591,6 +3602,734 @@
     <p:extLst>
       <p:ext uri="{BB962C8B-B14F-4D97-AF65-F5344CB8AC3E}">
         <p14:creationId xmlns:p14="http://schemas.microsoft.com/office/powerpoint/2010/main" val="2014211294"/>
+      </p:ext>
+    </p:extLst>
+  </p:cSld>
+  <p:clrMapOvr>
+    <a:masterClrMapping/>
+  </p:clrMapOvr>
+</p:sld>
+</file>
+
+<file path=ppt/slides/slide10.xml><?xml version="1.0" encoding="utf-8"?>
+<p:sld xmlns:a="http://schemas.openxmlformats.org/drawingml/2006/main" xmlns:r="http://schemas.openxmlformats.org/officeDocument/2006/relationships" xmlns:p="http://schemas.openxmlformats.org/presentationml/2006/main">
+  <p:cSld>
+    <p:spTree>
+      <p:nvGrpSpPr>
+        <p:cNvPr id="1" name=""/>
+        <p:cNvGrpSpPr/>
+        <p:nvPr/>
+      </p:nvGrpSpPr>
+      <p:grpSpPr>
+        <a:xfrm>
+          <a:off x="0" y="0"/>
+          <a:ext cx="0" cy="0"/>
+          <a:chOff x="0" y="0"/>
+          <a:chExt cx="0" cy="0"/>
+        </a:xfrm>
+      </p:grpSpPr>
+      <p:sp>
+        <p:nvSpPr>
+          <p:cNvPr id="2" name="Заголовок 1">
+            <a:extLst>
+              <a:ext uri="{FF2B5EF4-FFF2-40B4-BE49-F238E27FC236}">
+                <a16:creationId xmlns:a16="http://schemas.microsoft.com/office/drawing/2014/main" id="{13F518FC-EA0F-4542-9A49-372E579AC1E7}"/>
+              </a:ext>
+            </a:extLst>
+          </p:cNvPr>
+          <p:cNvSpPr>
+            <a:spLocks noGrp="1"/>
+          </p:cNvSpPr>
+          <p:nvPr>
+            <p:ph type="title"/>
+          </p:nvPr>
+        </p:nvSpPr>
+        <p:spPr/>
+        <p:txBody>
+          <a:bodyPr/>
+          <a:lstStyle/>
+          <a:p>
+            <a:pPr algn="ctr"/>
+            <a:r>
+              <a:rPr lang="en-US" b="1" dirty="0">
+                <a:latin typeface="Times New Roman" panose="02020603050405020304" pitchFamily="18" charset="0"/>
+                <a:cs typeface="Times New Roman" panose="02020603050405020304" pitchFamily="18" charset="0"/>
+              </a:rPr>
+              <a:t>Pseudocode</a:t>
+            </a:r>
+            <a:endParaRPr lang="ru-RU" b="1" dirty="0">
+              <a:latin typeface="Times New Roman" panose="02020603050405020304" pitchFamily="18" charset="0"/>
+              <a:cs typeface="Times New Roman" panose="02020603050405020304" pitchFamily="18" charset="0"/>
+            </a:endParaRPr>
+          </a:p>
+        </p:txBody>
+      </p:sp>
+      <p:pic>
+        <p:nvPicPr>
+          <p:cNvPr id="11" name="Рисунок 10">
+            <a:extLst>
+              <a:ext uri="{FF2B5EF4-FFF2-40B4-BE49-F238E27FC236}">
+                <a16:creationId xmlns:a16="http://schemas.microsoft.com/office/drawing/2014/main" id="{7F9B61C7-52DB-4553-8556-74C23012AB38}"/>
+              </a:ext>
+            </a:extLst>
+          </p:cNvPr>
+          <p:cNvPicPr>
+            <a:picLocks noChangeAspect="1"/>
+          </p:cNvPicPr>
+          <p:nvPr/>
+        </p:nvPicPr>
+        <p:blipFill>
+          <a:blip r:embed="rId2"/>
+          <a:stretch>
+            <a:fillRect/>
+          </a:stretch>
+        </p:blipFill>
+        <p:spPr>
+          <a:xfrm>
+            <a:off x="1870410" y="1352370"/>
+            <a:ext cx="8451179" cy="5140505"/>
+          </a:xfrm>
+          <a:prstGeom prst="rect">
+            <a:avLst/>
+          </a:prstGeom>
+          <a:ln>
+            <a:solidFill>
+              <a:schemeClr val="tx1">
+                <a:lumMod val="85000"/>
+                <a:lumOff val="15000"/>
+              </a:schemeClr>
+            </a:solidFill>
+            <a:prstDash val="dash"/>
+          </a:ln>
+        </p:spPr>
+      </p:pic>
+      <p:pic>
+        <p:nvPicPr>
+          <p:cNvPr id="12" name="Picture 2" descr="Picture background">
+            <a:extLst>
+              <a:ext uri="{FF2B5EF4-FFF2-40B4-BE49-F238E27FC236}">
+                <a16:creationId xmlns:a16="http://schemas.microsoft.com/office/drawing/2014/main" id="{CD0EFDF3-ED6C-4882-83C4-D02715422F60}"/>
+              </a:ext>
+            </a:extLst>
+          </p:cNvPr>
+          <p:cNvPicPr>
+            <a:picLocks noChangeAspect="1" noChangeArrowheads="1"/>
+          </p:cNvPicPr>
+          <p:nvPr/>
+        </p:nvPicPr>
+        <p:blipFill>
+          <a:blip r:embed="rId3">
+            <a:extLst>
+              <a:ext uri="{28A0092B-C50C-407E-A947-70E740481C1C}">
+                <a14:useLocalDpi xmlns:a14="http://schemas.microsoft.com/office/drawing/2010/main" val="0"/>
+              </a:ext>
+            </a:extLst>
+          </a:blip>
+          <a:srcRect/>
+          <a:stretch>
+            <a:fillRect/>
+          </a:stretch>
+        </p:blipFill>
+        <p:spPr bwMode="auto">
+          <a:xfrm>
+            <a:off x="84451" y="62666"/>
+            <a:ext cx="2218831" cy="1242603"/>
+          </a:xfrm>
+          <a:prstGeom prst="rect">
+            <a:avLst/>
+          </a:prstGeom>
+          <a:noFill/>
+          <a:extLst>
+            <a:ext uri="{909E8E84-426E-40DD-AFC4-6F175D3DCCD1}">
+              <a14:hiddenFill xmlns:a14="http://schemas.microsoft.com/office/drawing/2010/main">
+                <a:solidFill>
+                  <a:srgbClr val="FFFFFF"/>
+                </a:solidFill>
+              </a14:hiddenFill>
+            </a:ext>
+          </a:extLst>
+        </p:spPr>
+      </p:pic>
+      <p:cxnSp>
+        <p:nvCxnSpPr>
+          <p:cNvPr id="13" name="Прямая соединительная линия 12">
+            <a:extLst>
+              <a:ext uri="{FF2B5EF4-FFF2-40B4-BE49-F238E27FC236}">
+                <a16:creationId xmlns:a16="http://schemas.microsoft.com/office/drawing/2014/main" id="{1E1D32E2-5722-4A81-928B-9E3A03ACBCB8}"/>
+              </a:ext>
+            </a:extLst>
+          </p:cNvPr>
+          <p:cNvCxnSpPr>
+            <a:cxnSpLocks/>
+          </p:cNvCxnSpPr>
+          <p:nvPr/>
+        </p:nvCxnSpPr>
+        <p:spPr>
+          <a:xfrm>
+            <a:off x="4653280" y="1234149"/>
+            <a:ext cx="2865120" cy="0"/>
+          </a:xfrm>
+          <a:prstGeom prst="line">
+            <a:avLst/>
+          </a:prstGeom>
+        </p:spPr>
+        <p:style>
+          <a:lnRef idx="2">
+            <a:schemeClr val="dk1"/>
+          </a:lnRef>
+          <a:fillRef idx="0">
+            <a:schemeClr val="dk1"/>
+          </a:fillRef>
+          <a:effectRef idx="1">
+            <a:schemeClr val="dk1"/>
+          </a:effectRef>
+          <a:fontRef idx="minor">
+            <a:schemeClr val="tx1"/>
+          </a:fontRef>
+        </p:style>
+      </p:cxnSp>
+      <p:sp>
+        <p:nvSpPr>
+          <p:cNvPr id="16" name="TextBox 15">
+            <a:extLst>
+              <a:ext uri="{FF2B5EF4-FFF2-40B4-BE49-F238E27FC236}">
+                <a16:creationId xmlns:a16="http://schemas.microsoft.com/office/drawing/2014/main" id="{3E180DDB-96EA-4C5F-8C45-B2E105CF62AB}"/>
+              </a:ext>
+            </a:extLst>
+          </p:cNvPr>
+          <p:cNvSpPr txBox="1"/>
+          <p:nvPr/>
+        </p:nvSpPr>
+        <p:spPr>
+          <a:xfrm>
+            <a:off x="5872480" y="6502400"/>
+            <a:ext cx="45719" cy="369332"/>
+          </a:xfrm>
+          <a:prstGeom prst="rect">
+            <a:avLst/>
+          </a:prstGeom>
+          <a:noFill/>
+        </p:spPr>
+        <p:txBody>
+          <a:bodyPr wrap="square" rtlCol="0">
+            <a:spAutoFit/>
+          </a:bodyPr>
+          <a:lstStyle/>
+          <a:p>
+            <a:r>
+              <a:rPr lang="ru-RU" dirty="0"/>
+              <a:t>9</a:t>
+            </a:r>
+          </a:p>
+        </p:txBody>
+      </p:sp>
+    </p:spTree>
+    <p:extLst>
+      <p:ext uri="{BB962C8B-B14F-4D97-AF65-F5344CB8AC3E}">
+        <p14:creationId xmlns:p14="http://schemas.microsoft.com/office/powerpoint/2010/main" val="3903704531"/>
+      </p:ext>
+    </p:extLst>
+  </p:cSld>
+  <p:clrMapOvr>
+    <a:masterClrMapping/>
+  </p:clrMapOvr>
+</p:sld>
+</file>
+
+<file path=ppt/slides/slide11.xml><?xml version="1.0" encoding="utf-8"?>
+<p:sld xmlns:a="http://schemas.openxmlformats.org/drawingml/2006/main" xmlns:r="http://schemas.openxmlformats.org/officeDocument/2006/relationships" xmlns:p="http://schemas.openxmlformats.org/presentationml/2006/main">
+  <p:cSld>
+    <p:spTree>
+      <p:nvGrpSpPr>
+        <p:cNvPr id="1" name=""/>
+        <p:cNvGrpSpPr/>
+        <p:nvPr/>
+      </p:nvGrpSpPr>
+      <p:grpSpPr>
+        <a:xfrm>
+          <a:off x="0" y="0"/>
+          <a:ext cx="0" cy="0"/>
+          <a:chOff x="0" y="0"/>
+          <a:chExt cx="0" cy="0"/>
+        </a:xfrm>
+      </p:grpSpPr>
+      <p:sp>
+        <p:nvSpPr>
+          <p:cNvPr id="2" name="Заголовок 1">
+            <a:extLst>
+              <a:ext uri="{FF2B5EF4-FFF2-40B4-BE49-F238E27FC236}">
+                <a16:creationId xmlns:a16="http://schemas.microsoft.com/office/drawing/2014/main" id="{30D02924-7E80-450E-86B9-D0BD128B3D0C}"/>
+              </a:ext>
+            </a:extLst>
+          </p:cNvPr>
+          <p:cNvSpPr>
+            <a:spLocks noGrp="1"/>
+          </p:cNvSpPr>
+          <p:nvPr>
+            <p:ph type="title"/>
+          </p:nvPr>
+        </p:nvSpPr>
+        <p:spPr/>
+        <p:txBody>
+          <a:bodyPr/>
+          <a:lstStyle/>
+          <a:p>
+            <a:pPr algn="ctr"/>
+            <a:r>
+              <a:rPr lang="en-US" b="1" dirty="0">
+                <a:latin typeface="Times New Roman" panose="02020603050405020304" pitchFamily="18" charset="0"/>
+                <a:cs typeface="Times New Roman" panose="02020603050405020304" pitchFamily="18" charset="0"/>
+              </a:rPr>
+              <a:t>Where it is used</a:t>
+            </a:r>
+            <a:r>
+              <a:rPr lang="ru-RU" b="1" dirty="0">
+                <a:latin typeface="Times New Roman" panose="02020603050405020304" pitchFamily="18" charset="0"/>
+                <a:cs typeface="Times New Roman" panose="02020603050405020304" pitchFamily="18" charset="0"/>
+              </a:rPr>
+              <a:t>?</a:t>
+            </a:r>
+          </a:p>
+        </p:txBody>
+      </p:sp>
+      <p:sp>
+        <p:nvSpPr>
+          <p:cNvPr id="3" name="Объект 2">
+            <a:extLst>
+              <a:ext uri="{FF2B5EF4-FFF2-40B4-BE49-F238E27FC236}">
+                <a16:creationId xmlns:a16="http://schemas.microsoft.com/office/drawing/2014/main" id="{00F3CCF5-19DD-4E8C-A80E-9D2594603076}"/>
+              </a:ext>
+            </a:extLst>
+          </p:cNvPr>
+          <p:cNvSpPr>
+            <a:spLocks noGrp="1"/>
+          </p:cNvSpPr>
+          <p:nvPr>
+            <p:ph idx="1"/>
+          </p:nvPr>
+        </p:nvSpPr>
+        <p:spPr>
+          <a:xfrm>
+            <a:off x="838200" y="1825624"/>
+            <a:ext cx="10515600" cy="4951095"/>
+          </a:xfrm>
+        </p:spPr>
+        <p:txBody>
+          <a:bodyPr>
+            <a:normAutofit fontScale="92500"/>
+          </a:bodyPr>
+          <a:lstStyle/>
+          <a:p>
+            <a:r>
+              <a:rPr lang="ru-RU" b="1" dirty="0"/>
+              <a:t>Файловые системы</a:t>
+            </a:r>
+            <a:r>
+              <a:rPr lang="ru-RU" dirty="0"/>
+              <a:t>:</a:t>
+            </a:r>
+          </a:p>
+          <a:p>
+            <a:pPr marL="457200" lvl="1" indent="0">
+              <a:buNone/>
+            </a:pPr>
+            <a:r>
+              <a:rPr lang="ru-RU" b="1" dirty="0"/>
+              <a:t>ZFS</a:t>
+            </a:r>
+            <a:r>
+              <a:rPr lang="ru-RU" dirty="0"/>
+              <a:t>: ARC широко используется в файловой системе ZFS, известной своей высокой производительностью и надежностью. В ZFS ARC помогает оптимизировать доступ к данным, кэшируя часто и недавно использованные блоки данных.</a:t>
+            </a:r>
+          </a:p>
+          <a:p>
+            <a:r>
+              <a:rPr lang="ru-RU" b="1" dirty="0"/>
+              <a:t>Системы хранения данных</a:t>
+            </a:r>
+            <a:r>
+              <a:rPr lang="ru-RU" dirty="0"/>
+              <a:t>:</a:t>
+            </a:r>
+          </a:p>
+          <a:p>
+            <a:pPr marL="457200" lvl="1" indent="0">
+              <a:buNone/>
+            </a:pPr>
+            <a:r>
+              <a:rPr lang="ru-RU" b="1" dirty="0"/>
+              <a:t>IBM DS8000</a:t>
+            </a:r>
+            <a:r>
+              <a:rPr lang="ru-RU" dirty="0"/>
+              <a:t>: Система хранения данных IBM DS8000 использует ARC для управления кэшем, что позволяет улучшить производительность при обработке большого объема данных.</a:t>
+            </a:r>
+          </a:p>
+          <a:p>
+            <a:r>
+              <a:rPr lang="ru-RU" b="1" dirty="0"/>
+              <a:t>СУБД (Системы управления базами данных)</a:t>
+            </a:r>
+            <a:endParaRPr lang="ru-RU" dirty="0"/>
+          </a:p>
+          <a:p>
+            <a:r>
+              <a:rPr lang="ru-RU" b="1" dirty="0"/>
+              <a:t>Виртуальные машины и гипервизоры</a:t>
+            </a:r>
+            <a:endParaRPr lang="ru-RU" dirty="0"/>
+          </a:p>
+          <a:p>
+            <a:r>
+              <a:rPr lang="ru-RU" b="1" dirty="0"/>
+              <a:t>Клиентские приложения</a:t>
+            </a:r>
+            <a:endParaRPr lang="ru-RU" dirty="0"/>
+          </a:p>
+          <a:p>
+            <a:r>
+              <a:rPr lang="ru-RU" b="1" dirty="0"/>
+              <a:t>Сетевые системы</a:t>
+            </a:r>
+            <a:endParaRPr lang="ru-RU" dirty="0"/>
+          </a:p>
+        </p:txBody>
+      </p:sp>
+      <p:pic>
+        <p:nvPicPr>
+          <p:cNvPr id="4" name="Picture 2" descr="Picture background">
+            <a:extLst>
+              <a:ext uri="{FF2B5EF4-FFF2-40B4-BE49-F238E27FC236}">
+                <a16:creationId xmlns:a16="http://schemas.microsoft.com/office/drawing/2014/main" id="{F2E259C1-17B3-4139-9C80-0F3CFE4041B2}"/>
+              </a:ext>
+            </a:extLst>
+          </p:cNvPr>
+          <p:cNvPicPr>
+            <a:picLocks noChangeAspect="1" noChangeArrowheads="1"/>
+          </p:cNvPicPr>
+          <p:nvPr/>
+        </p:nvPicPr>
+        <p:blipFill>
+          <a:blip r:embed="rId2">
+            <a:extLst>
+              <a:ext uri="{28A0092B-C50C-407E-A947-70E740481C1C}">
+                <a14:useLocalDpi xmlns:a14="http://schemas.microsoft.com/office/drawing/2010/main" val="0"/>
+              </a:ext>
+            </a:extLst>
+          </a:blip>
+          <a:srcRect/>
+          <a:stretch>
+            <a:fillRect/>
+          </a:stretch>
+        </p:blipFill>
+        <p:spPr bwMode="auto">
+          <a:xfrm>
+            <a:off x="84451" y="62666"/>
+            <a:ext cx="2218831" cy="1242603"/>
+          </a:xfrm>
+          <a:prstGeom prst="rect">
+            <a:avLst/>
+          </a:prstGeom>
+          <a:noFill/>
+          <a:extLst>
+            <a:ext uri="{909E8E84-426E-40DD-AFC4-6F175D3DCCD1}">
+              <a14:hiddenFill xmlns:a14="http://schemas.microsoft.com/office/drawing/2010/main">
+                <a:solidFill>
+                  <a:srgbClr val="FFFFFF"/>
+                </a:solidFill>
+              </a14:hiddenFill>
+            </a:ext>
+          </a:extLst>
+        </p:spPr>
+      </p:pic>
+      <p:cxnSp>
+        <p:nvCxnSpPr>
+          <p:cNvPr id="5" name="Прямая соединительная линия 4">
+            <a:extLst>
+              <a:ext uri="{FF2B5EF4-FFF2-40B4-BE49-F238E27FC236}">
+                <a16:creationId xmlns:a16="http://schemas.microsoft.com/office/drawing/2014/main" id="{6872863E-022E-4A2D-8208-71FC80E44E0A}"/>
+              </a:ext>
+            </a:extLst>
+          </p:cNvPr>
+          <p:cNvCxnSpPr>
+            <a:cxnSpLocks/>
+          </p:cNvCxnSpPr>
+          <p:nvPr/>
+        </p:nvCxnSpPr>
+        <p:spPr>
+          <a:xfrm>
+            <a:off x="4043680" y="1234149"/>
+            <a:ext cx="4104640" cy="0"/>
+          </a:xfrm>
+          <a:prstGeom prst="line">
+            <a:avLst/>
+          </a:prstGeom>
+        </p:spPr>
+        <p:style>
+          <a:lnRef idx="2">
+            <a:schemeClr val="dk1"/>
+          </a:lnRef>
+          <a:fillRef idx="0">
+            <a:schemeClr val="dk1"/>
+          </a:fillRef>
+          <a:effectRef idx="1">
+            <a:schemeClr val="dk1"/>
+          </a:effectRef>
+          <a:fontRef idx="minor">
+            <a:schemeClr val="tx1"/>
+          </a:fontRef>
+        </p:style>
+      </p:cxnSp>
+      <p:sp>
+        <p:nvSpPr>
+          <p:cNvPr id="12" name="TextBox 11">
+            <a:extLst>
+              <a:ext uri="{FF2B5EF4-FFF2-40B4-BE49-F238E27FC236}">
+                <a16:creationId xmlns:a16="http://schemas.microsoft.com/office/drawing/2014/main" id="{70E225C4-A1A7-405A-9D05-A7BE433B270C}"/>
+              </a:ext>
+            </a:extLst>
+          </p:cNvPr>
+          <p:cNvSpPr txBox="1"/>
+          <p:nvPr/>
+        </p:nvSpPr>
+        <p:spPr>
+          <a:xfrm flipH="1">
+            <a:off x="5918199" y="6502400"/>
+            <a:ext cx="533401" cy="369332"/>
+          </a:xfrm>
+          <a:prstGeom prst="rect">
+            <a:avLst/>
+          </a:prstGeom>
+          <a:noFill/>
+        </p:spPr>
+        <p:txBody>
+          <a:bodyPr wrap="square" rtlCol="0">
+            <a:spAutoFit/>
+          </a:bodyPr>
+          <a:lstStyle/>
+          <a:p>
+            <a:r>
+              <a:rPr lang="ru-RU" dirty="0"/>
+              <a:t>10</a:t>
+            </a:r>
+          </a:p>
+        </p:txBody>
+      </p:sp>
+    </p:spTree>
+    <p:extLst>
+      <p:ext uri="{BB962C8B-B14F-4D97-AF65-F5344CB8AC3E}">
+        <p14:creationId xmlns:p14="http://schemas.microsoft.com/office/powerpoint/2010/main" val="1261945958"/>
+      </p:ext>
+    </p:extLst>
+  </p:cSld>
+  <p:clrMapOvr>
+    <a:masterClrMapping/>
+  </p:clrMapOvr>
+</p:sld>
+</file>
+
+<file path=ppt/slides/slide12.xml><?xml version="1.0" encoding="utf-8"?>
+<p:sld xmlns:a="http://schemas.openxmlformats.org/drawingml/2006/main" xmlns:r="http://schemas.openxmlformats.org/officeDocument/2006/relationships" xmlns:p="http://schemas.openxmlformats.org/presentationml/2006/main">
+  <p:cSld>
+    <p:spTree>
+      <p:nvGrpSpPr>
+        <p:cNvPr id="1" name=""/>
+        <p:cNvGrpSpPr/>
+        <p:nvPr/>
+      </p:nvGrpSpPr>
+      <p:grpSpPr>
+        <a:xfrm>
+          <a:off x="0" y="0"/>
+          <a:ext cx="0" cy="0"/>
+          <a:chOff x="0" y="0"/>
+          <a:chExt cx="0" cy="0"/>
+        </a:xfrm>
+      </p:grpSpPr>
+      <p:sp>
+        <p:nvSpPr>
+          <p:cNvPr id="2" name="Заголовок 1">
+            <a:extLst>
+              <a:ext uri="{FF2B5EF4-FFF2-40B4-BE49-F238E27FC236}">
+                <a16:creationId xmlns:a16="http://schemas.microsoft.com/office/drawing/2014/main" id="{DACF836A-DEB5-42CD-AD0D-EA660C9DB2E6}"/>
+              </a:ext>
+            </a:extLst>
+          </p:cNvPr>
+          <p:cNvSpPr>
+            <a:spLocks noGrp="1"/>
+          </p:cNvSpPr>
+          <p:nvPr>
+            <p:ph type="title"/>
+          </p:nvPr>
+        </p:nvSpPr>
+        <p:spPr/>
+        <p:txBody>
+          <a:bodyPr/>
+          <a:lstStyle/>
+          <a:p>
+            <a:pPr algn="ctr"/>
+            <a:r>
+              <a:rPr lang="en-US" b="1" dirty="0">
+                <a:latin typeface="Times New Roman" panose="02020603050405020304" pitchFamily="18" charset="0"/>
+                <a:cs typeface="Times New Roman" panose="02020603050405020304" pitchFamily="18" charset="0"/>
+              </a:rPr>
+              <a:t>Performance comparison</a:t>
+            </a:r>
+            <a:endParaRPr lang="ru-RU" b="1" dirty="0">
+              <a:latin typeface="Times New Roman" panose="02020603050405020304" pitchFamily="18" charset="0"/>
+              <a:cs typeface="Times New Roman" panose="02020603050405020304" pitchFamily="18" charset="0"/>
+            </a:endParaRPr>
+          </a:p>
+        </p:txBody>
+      </p:sp>
+      <p:sp>
+        <p:nvSpPr>
+          <p:cNvPr id="3" name="Объект 2">
+            <a:extLst>
+              <a:ext uri="{FF2B5EF4-FFF2-40B4-BE49-F238E27FC236}">
+                <a16:creationId xmlns:a16="http://schemas.microsoft.com/office/drawing/2014/main" id="{091B6956-2691-4829-BE48-44B4C15C245F}"/>
+              </a:ext>
+            </a:extLst>
+          </p:cNvPr>
+          <p:cNvSpPr>
+            <a:spLocks noGrp="1"/>
+          </p:cNvSpPr>
+          <p:nvPr>
+            <p:ph idx="1"/>
+          </p:nvPr>
+        </p:nvSpPr>
+        <p:spPr/>
+        <p:txBody>
+          <a:bodyPr/>
+          <a:lstStyle/>
+          <a:p>
+            <a:endParaRPr lang="ru-RU"/>
+          </a:p>
+        </p:txBody>
+      </p:sp>
+      <p:pic>
+        <p:nvPicPr>
+          <p:cNvPr id="4" name="Picture 2" descr="Picture background">
+            <a:extLst>
+              <a:ext uri="{FF2B5EF4-FFF2-40B4-BE49-F238E27FC236}">
+                <a16:creationId xmlns:a16="http://schemas.microsoft.com/office/drawing/2014/main" id="{3A3A471A-214B-42B0-87A7-830F77A16CE5}"/>
+              </a:ext>
+            </a:extLst>
+          </p:cNvPr>
+          <p:cNvPicPr>
+            <a:picLocks noChangeAspect="1" noChangeArrowheads="1"/>
+          </p:cNvPicPr>
+          <p:nvPr/>
+        </p:nvPicPr>
+        <p:blipFill>
+          <a:blip r:embed="rId2">
+            <a:extLst>
+              <a:ext uri="{28A0092B-C50C-407E-A947-70E740481C1C}">
+                <a14:useLocalDpi xmlns:a14="http://schemas.microsoft.com/office/drawing/2010/main" val="0"/>
+              </a:ext>
+            </a:extLst>
+          </a:blip>
+          <a:srcRect/>
+          <a:stretch>
+            <a:fillRect/>
+          </a:stretch>
+        </p:blipFill>
+        <p:spPr bwMode="auto">
+          <a:xfrm>
+            <a:off x="84451" y="62666"/>
+            <a:ext cx="2218831" cy="1242603"/>
+          </a:xfrm>
+          <a:prstGeom prst="rect">
+            <a:avLst/>
+          </a:prstGeom>
+          <a:noFill/>
+          <a:extLst>
+            <a:ext uri="{909E8E84-426E-40DD-AFC4-6F175D3DCCD1}">
+              <a14:hiddenFill xmlns:a14="http://schemas.microsoft.com/office/drawing/2010/main">
+                <a:solidFill>
+                  <a:srgbClr val="FFFFFF"/>
+                </a:solidFill>
+              </a14:hiddenFill>
+            </a:ext>
+          </a:extLst>
+        </p:spPr>
+      </p:pic>
+      <p:cxnSp>
+        <p:nvCxnSpPr>
+          <p:cNvPr id="5" name="Прямая соединительная линия 4">
+            <a:extLst>
+              <a:ext uri="{FF2B5EF4-FFF2-40B4-BE49-F238E27FC236}">
+                <a16:creationId xmlns:a16="http://schemas.microsoft.com/office/drawing/2014/main" id="{32506739-1B1C-43D7-8968-ED1D1D212606}"/>
+              </a:ext>
+            </a:extLst>
+          </p:cNvPr>
+          <p:cNvCxnSpPr>
+            <a:cxnSpLocks/>
+          </p:cNvCxnSpPr>
+          <p:nvPr/>
+        </p:nvCxnSpPr>
+        <p:spPr>
+          <a:xfrm>
+            <a:off x="3048000" y="1376389"/>
+            <a:ext cx="6075680" cy="0"/>
+          </a:xfrm>
+          <a:prstGeom prst="line">
+            <a:avLst/>
+          </a:prstGeom>
+        </p:spPr>
+        <p:style>
+          <a:lnRef idx="2">
+            <a:schemeClr val="dk1"/>
+          </a:lnRef>
+          <a:fillRef idx="0">
+            <a:schemeClr val="dk1"/>
+          </a:fillRef>
+          <a:effectRef idx="1">
+            <a:schemeClr val="dk1"/>
+          </a:effectRef>
+          <a:fontRef idx="minor">
+            <a:schemeClr val="tx1"/>
+          </a:fontRef>
+        </p:style>
+      </p:cxnSp>
+      <p:sp>
+        <p:nvSpPr>
+          <p:cNvPr id="8" name="TextBox 7">
+            <a:extLst>
+              <a:ext uri="{FF2B5EF4-FFF2-40B4-BE49-F238E27FC236}">
+                <a16:creationId xmlns:a16="http://schemas.microsoft.com/office/drawing/2014/main" id="{EF7BFB84-0632-4325-9482-EC557CAB1F46}"/>
+              </a:ext>
+            </a:extLst>
+          </p:cNvPr>
+          <p:cNvSpPr txBox="1"/>
+          <p:nvPr/>
+        </p:nvSpPr>
+        <p:spPr>
+          <a:xfrm>
+            <a:off x="5872480" y="6502400"/>
+            <a:ext cx="497840" cy="369332"/>
+          </a:xfrm>
+          <a:prstGeom prst="rect">
+            <a:avLst/>
+          </a:prstGeom>
+          <a:noFill/>
+        </p:spPr>
+        <p:txBody>
+          <a:bodyPr wrap="square" rtlCol="0">
+            <a:spAutoFit/>
+          </a:bodyPr>
+          <a:lstStyle/>
+          <a:p>
+            <a:r>
+              <a:rPr lang="ru-RU" dirty="0"/>
+              <a:t>11</a:t>
+            </a:r>
+          </a:p>
+        </p:txBody>
+      </p:sp>
+    </p:spTree>
+    <p:extLst>
+      <p:ext uri="{BB962C8B-B14F-4D97-AF65-F5344CB8AC3E}">
+        <p14:creationId xmlns:p14="http://schemas.microsoft.com/office/powerpoint/2010/main" val="3923333690"/>
       </p:ext>
     </p:extLst>
   </p:cSld>
@@ -3805,6 +4544,41 @@
           </a:fontRef>
         </p:style>
       </p:cxnSp>
+      <p:sp>
+        <p:nvSpPr>
+          <p:cNvPr id="9" name="TextBox 8">
+            <a:extLst>
+              <a:ext uri="{FF2B5EF4-FFF2-40B4-BE49-F238E27FC236}">
+                <a16:creationId xmlns:a16="http://schemas.microsoft.com/office/drawing/2014/main" id="{42DB319B-6259-4E5F-ABF7-CE728A9489A4}"/>
+              </a:ext>
+            </a:extLst>
+          </p:cNvPr>
+          <p:cNvSpPr txBox="1"/>
+          <p:nvPr/>
+        </p:nvSpPr>
+        <p:spPr>
+          <a:xfrm>
+            <a:off x="5872480" y="6502400"/>
+            <a:ext cx="45719" cy="369332"/>
+          </a:xfrm>
+          <a:prstGeom prst="rect">
+            <a:avLst/>
+          </a:prstGeom>
+          <a:noFill/>
+        </p:spPr>
+        <p:txBody>
+          <a:bodyPr wrap="square" rtlCol="0">
+            <a:spAutoFit/>
+          </a:bodyPr>
+          <a:lstStyle/>
+          <a:p>
+            <a:r>
+              <a:rPr lang="ru-RU" dirty="0"/>
+              <a:t>1</a:t>
+            </a:r>
+          </a:p>
+        </p:txBody>
+      </p:sp>
     </p:spTree>
     <p:extLst>
       <p:ext uri="{BB962C8B-B14F-4D97-AF65-F5344CB8AC3E}">
@@ -3986,6 +4760,41 @@
           </a:fontRef>
         </p:style>
       </p:cxnSp>
+      <p:sp>
+        <p:nvSpPr>
+          <p:cNvPr id="12" name="TextBox 11">
+            <a:extLst>
+              <a:ext uri="{FF2B5EF4-FFF2-40B4-BE49-F238E27FC236}">
+                <a16:creationId xmlns:a16="http://schemas.microsoft.com/office/drawing/2014/main" id="{D3A00655-6119-498D-B064-9CE9097FA402}"/>
+              </a:ext>
+            </a:extLst>
+          </p:cNvPr>
+          <p:cNvSpPr txBox="1"/>
+          <p:nvPr/>
+        </p:nvSpPr>
+        <p:spPr>
+          <a:xfrm>
+            <a:off x="5872480" y="6502400"/>
+            <a:ext cx="45719" cy="369332"/>
+          </a:xfrm>
+          <a:prstGeom prst="rect">
+            <a:avLst/>
+          </a:prstGeom>
+          <a:noFill/>
+        </p:spPr>
+        <p:txBody>
+          <a:bodyPr wrap="square" rtlCol="0">
+            <a:spAutoFit/>
+          </a:bodyPr>
+          <a:lstStyle/>
+          <a:p>
+            <a:r>
+              <a:rPr lang="ru-RU" dirty="0"/>
+              <a:t>2</a:t>
+            </a:r>
+          </a:p>
+        </p:txBody>
+      </p:sp>
     </p:spTree>
     <p:extLst>
       <p:ext uri="{BB962C8B-B14F-4D97-AF65-F5344CB8AC3E}">
@@ -5655,6 +6464,41 @@
           </a:fontRef>
         </p:style>
       </p:cxnSp>
+      <p:sp>
+        <p:nvSpPr>
+          <p:cNvPr id="38" name="TextBox 37">
+            <a:extLst>
+              <a:ext uri="{FF2B5EF4-FFF2-40B4-BE49-F238E27FC236}">
+                <a16:creationId xmlns:a16="http://schemas.microsoft.com/office/drawing/2014/main" id="{25D13038-0068-40D0-9C2D-C7A1958235AD}"/>
+              </a:ext>
+            </a:extLst>
+          </p:cNvPr>
+          <p:cNvSpPr txBox="1"/>
+          <p:nvPr/>
+        </p:nvSpPr>
+        <p:spPr>
+          <a:xfrm>
+            <a:off x="5872480" y="6502400"/>
+            <a:ext cx="45719" cy="369332"/>
+          </a:xfrm>
+          <a:prstGeom prst="rect">
+            <a:avLst/>
+          </a:prstGeom>
+          <a:noFill/>
+        </p:spPr>
+        <p:txBody>
+          <a:bodyPr wrap="square" rtlCol="0">
+            <a:spAutoFit/>
+          </a:bodyPr>
+          <a:lstStyle/>
+          <a:p>
+            <a:r>
+              <a:rPr lang="ru-RU" dirty="0"/>
+              <a:t>3</a:t>
+            </a:r>
+          </a:p>
+        </p:txBody>
+      </p:sp>
     </p:spTree>
     <p:extLst>
       <p:ext uri="{BB962C8B-B14F-4D97-AF65-F5344CB8AC3E}">
@@ -5817,6 +6661,9 @@
             </a:r>
           </a:p>
           <a:p>
+            <a:pPr marL="0" indent="0">
+              <a:buNone/>
+            </a:pPr>
             <a:r>
               <a:rPr lang="ru-RU" b="1" dirty="0"/>
               <a:t>Основная идея</a:t>
@@ -5930,6 +6777,41 @@
           </a:extLst>
         </p:spPr>
       </p:pic>
+      <p:sp>
+        <p:nvSpPr>
+          <p:cNvPr id="7" name="TextBox 6">
+            <a:extLst>
+              <a:ext uri="{FF2B5EF4-FFF2-40B4-BE49-F238E27FC236}">
+                <a16:creationId xmlns:a16="http://schemas.microsoft.com/office/drawing/2014/main" id="{738E0B9B-DEE7-424B-BB65-52504DEB7F30}"/>
+              </a:ext>
+            </a:extLst>
+          </p:cNvPr>
+          <p:cNvSpPr txBox="1"/>
+          <p:nvPr/>
+        </p:nvSpPr>
+        <p:spPr>
+          <a:xfrm>
+            <a:off x="5872480" y="6502400"/>
+            <a:ext cx="45719" cy="369332"/>
+          </a:xfrm>
+          <a:prstGeom prst="rect">
+            <a:avLst/>
+          </a:prstGeom>
+          <a:noFill/>
+        </p:spPr>
+        <p:txBody>
+          <a:bodyPr wrap="square" rtlCol="0">
+            <a:spAutoFit/>
+          </a:bodyPr>
+          <a:lstStyle/>
+          <a:p>
+            <a:r>
+              <a:rPr lang="ru-RU" dirty="0"/>
+              <a:t>4</a:t>
+            </a:r>
+          </a:p>
+        </p:txBody>
+      </p:sp>
     </p:spTree>
     <p:extLst>
       <p:ext uri="{BB962C8B-B14F-4D97-AF65-F5344CB8AC3E}">
@@ -6292,6 +7174,41 @@
           </a:extLst>
         </p:spPr>
       </p:pic>
+      <p:sp>
+        <p:nvSpPr>
+          <p:cNvPr id="7" name="TextBox 6">
+            <a:extLst>
+              <a:ext uri="{FF2B5EF4-FFF2-40B4-BE49-F238E27FC236}">
+                <a16:creationId xmlns:a16="http://schemas.microsoft.com/office/drawing/2014/main" id="{DE7AAD8A-EF5B-4205-A8F8-47B976A91EDF}"/>
+              </a:ext>
+            </a:extLst>
+          </p:cNvPr>
+          <p:cNvSpPr txBox="1"/>
+          <p:nvPr/>
+        </p:nvSpPr>
+        <p:spPr>
+          <a:xfrm>
+            <a:off x="5872480" y="6502400"/>
+            <a:ext cx="45719" cy="369332"/>
+          </a:xfrm>
+          <a:prstGeom prst="rect">
+            <a:avLst/>
+          </a:prstGeom>
+          <a:noFill/>
+        </p:spPr>
+        <p:txBody>
+          <a:bodyPr wrap="square" rtlCol="0">
+            <a:spAutoFit/>
+          </a:bodyPr>
+          <a:lstStyle/>
+          <a:p>
+            <a:r>
+              <a:rPr lang="ru-RU" dirty="0"/>
+              <a:t>5</a:t>
+            </a:r>
+          </a:p>
+        </p:txBody>
+      </p:sp>
     </p:spTree>
     <p:extLst>
       <p:ext uri="{BB962C8B-B14F-4D97-AF65-F5344CB8AC3E}">
@@ -6558,6 +7475,41 @@
           </a:fontRef>
         </p:style>
       </p:cxnSp>
+      <p:sp>
+        <p:nvSpPr>
+          <p:cNvPr id="10" name="TextBox 9">
+            <a:extLst>
+              <a:ext uri="{FF2B5EF4-FFF2-40B4-BE49-F238E27FC236}">
+                <a16:creationId xmlns:a16="http://schemas.microsoft.com/office/drawing/2014/main" id="{08AEE888-06D8-4BC1-BF04-D394ADB8CFF7}"/>
+              </a:ext>
+            </a:extLst>
+          </p:cNvPr>
+          <p:cNvSpPr txBox="1"/>
+          <p:nvPr/>
+        </p:nvSpPr>
+        <p:spPr>
+          <a:xfrm>
+            <a:off x="5872480" y="6502400"/>
+            <a:ext cx="45719" cy="369332"/>
+          </a:xfrm>
+          <a:prstGeom prst="rect">
+            <a:avLst/>
+          </a:prstGeom>
+          <a:noFill/>
+        </p:spPr>
+        <p:txBody>
+          <a:bodyPr wrap="square" rtlCol="0">
+            <a:spAutoFit/>
+          </a:bodyPr>
+          <a:lstStyle/>
+          <a:p>
+            <a:r>
+              <a:rPr lang="ru-RU" dirty="0"/>
+              <a:t>6</a:t>
+            </a:r>
+          </a:p>
+        </p:txBody>
+      </p:sp>
     </p:spTree>
     <p:extLst>
       <p:ext uri="{BB962C8B-B14F-4D97-AF65-F5344CB8AC3E}">
@@ -6647,7 +7599,9 @@
           </a:xfrm>
         </p:spPr>
         <p:txBody>
-          <a:bodyPr/>
+          <a:bodyPr>
+            <a:normAutofit lnSpcReduction="10000"/>
+          </a:bodyPr>
           <a:lstStyle/>
           <a:p>
             <a:pPr marL="0" indent="0">
@@ -6657,6 +7611,10 @@
               <a:rPr lang="ru-RU" dirty="0"/>
               <a:t>ARC динамически регулирует размеры T1 и T2, чтобы оптимально приспособиться к текущим паттернам доступа:</a:t>
             </a:r>
+          </a:p>
+          <a:p>
+            <a:pPr lvl="1"/>
+            <a:endParaRPr lang="en-US" dirty="0"/>
           </a:p>
           <a:p>
             <a:pPr lvl="1"/>
@@ -6769,6 +7727,41 @@
           </a:extLst>
         </p:spPr>
       </p:pic>
+      <p:sp>
+        <p:nvSpPr>
+          <p:cNvPr id="7" name="TextBox 6">
+            <a:extLst>
+              <a:ext uri="{FF2B5EF4-FFF2-40B4-BE49-F238E27FC236}">
+                <a16:creationId xmlns:a16="http://schemas.microsoft.com/office/drawing/2014/main" id="{E6BE256E-0293-40FF-9B9F-D610DBF1C40E}"/>
+              </a:ext>
+            </a:extLst>
+          </p:cNvPr>
+          <p:cNvSpPr txBox="1"/>
+          <p:nvPr/>
+        </p:nvSpPr>
+        <p:spPr>
+          <a:xfrm>
+            <a:off x="5872480" y="6502400"/>
+            <a:ext cx="45719" cy="369332"/>
+          </a:xfrm>
+          <a:prstGeom prst="rect">
+            <a:avLst/>
+          </a:prstGeom>
+          <a:noFill/>
+        </p:spPr>
+        <p:txBody>
+          <a:bodyPr wrap="square" rtlCol="0">
+            <a:spAutoFit/>
+          </a:bodyPr>
+          <a:lstStyle/>
+          <a:p>
+            <a:r>
+              <a:rPr lang="ru-RU" dirty="0"/>
+              <a:t>7</a:t>
+            </a:r>
+          </a:p>
+        </p:txBody>
+      </p:sp>
     </p:spTree>
     <p:extLst>
       <p:ext uri="{BB962C8B-B14F-4D97-AF65-F5344CB8AC3E}">
@@ -6815,16 +7808,44 @@
             <p:ph type="title"/>
           </p:nvPr>
         </p:nvSpPr>
-        <p:spPr/>
-        <p:txBody>
-          <a:bodyPr/>
-          <a:lstStyle/>
-          <a:p>
-            <a:r>
-              <a:rPr lang="en-US"/>
-              <a:t>dvantages</a:t>
-            </a:r>
-            <a:endParaRPr lang="ru-RU" dirty="0"/>
+        <p:spPr>
+          <a:xfrm>
+            <a:off x="1591949" y="354965"/>
+            <a:ext cx="10515600" cy="1325563"/>
+          </a:xfrm>
+        </p:spPr>
+        <p:txBody>
+          <a:bodyPr>
+            <a:normAutofit/>
+          </a:bodyPr>
+          <a:lstStyle/>
+          <a:p>
+            <a:pPr algn="ctr"/>
+            <a:r>
+              <a:rPr lang="en-US" sz="4000" b="1" dirty="0">
+                <a:latin typeface="Times New Roman" panose="02020603050405020304" pitchFamily="18" charset="0"/>
+                <a:cs typeface="Times New Roman" panose="02020603050405020304" pitchFamily="18" charset="0"/>
+              </a:rPr>
+              <a:t>Advantages</a:t>
+            </a:r>
+            <a:r>
+              <a:rPr lang="ru-RU" sz="4000" b="1" dirty="0">
+                <a:latin typeface="Times New Roman" panose="02020603050405020304" pitchFamily="18" charset="0"/>
+                <a:cs typeface="Times New Roman" panose="02020603050405020304" pitchFamily="18" charset="0"/>
+              </a:rPr>
+              <a:t> </a:t>
+            </a:r>
+            <a:r>
+              <a:rPr lang="en-US" sz="4000" b="1" dirty="0">
+                <a:latin typeface="Times New Roman" panose="02020603050405020304" pitchFamily="18" charset="0"/>
+                <a:cs typeface="Times New Roman" panose="02020603050405020304" pitchFamily="18" charset="0"/>
+              </a:rPr>
+              <a:t>and disadvantages ARC</a:t>
+            </a:r>
+            <a:endParaRPr lang="ru-RU" sz="4000" b="1" dirty="0">
+              <a:latin typeface="Times New Roman" panose="02020603050405020304" pitchFamily="18" charset="0"/>
+              <a:cs typeface="Times New Roman" panose="02020603050405020304" pitchFamily="18" charset="0"/>
+            </a:endParaRPr>
           </a:p>
         </p:txBody>
       </p:sp>
@@ -6846,10 +7867,201 @@
         </p:nvSpPr>
         <p:spPr/>
         <p:txBody>
-          <a:bodyPr/>
-          <a:lstStyle/>
-          <a:p>
-            <a:endParaRPr lang="ru-RU"/>
+          <a:bodyPr>
+            <a:normAutofit/>
+          </a:bodyPr>
+          <a:lstStyle/>
+          <a:p>
+            <a:pPr marL="0" indent="0">
+              <a:buNone/>
+            </a:pPr>
+            <a:r>
+              <a:rPr lang="ru-RU" b="1" dirty="0"/>
+              <a:t>Преимущества:</a:t>
+            </a:r>
+            <a:endParaRPr lang="ru-RU" dirty="0"/>
+          </a:p>
+          <a:p>
+            <a:pPr lvl="1"/>
+            <a:r>
+              <a:rPr lang="ru-RU" b="1" dirty="0"/>
+              <a:t>Адаптивность</a:t>
+            </a:r>
+            <a:r>
+              <a:rPr lang="ru-RU" dirty="0"/>
+              <a:t>: Автоматически подстраивается под изменяющиеся рабочие нагрузки.</a:t>
+            </a:r>
+          </a:p>
+          <a:p>
+            <a:pPr lvl="1"/>
+            <a:r>
+              <a:rPr lang="ru-RU" b="1" dirty="0"/>
+              <a:t>Эффективность</a:t>
+            </a:r>
+            <a:r>
+              <a:rPr lang="ru-RU" dirty="0"/>
+              <a:t>: Балансирует между недавними и частыми доступами, улучшая использование кэша.</a:t>
+            </a:r>
+          </a:p>
+          <a:p>
+            <a:pPr marL="0" indent="0">
+              <a:buNone/>
+            </a:pPr>
+            <a:r>
+              <a:rPr lang="ru-RU" b="1" dirty="0"/>
+              <a:t>Недостатки:</a:t>
+            </a:r>
+            <a:endParaRPr lang="ru-RU" dirty="0"/>
+          </a:p>
+          <a:p>
+            <a:pPr lvl="1"/>
+            <a:r>
+              <a:rPr lang="ru-RU" b="1" dirty="0"/>
+              <a:t>Сложность реализации</a:t>
+            </a:r>
+            <a:r>
+              <a:rPr lang="ru-RU" dirty="0"/>
+              <a:t>: Более сложен в реализации по сравнению с простыми алгоритмами, такими как LRU или LFU.</a:t>
+            </a:r>
+          </a:p>
+          <a:p>
+            <a:pPr lvl="1"/>
+            <a:r>
+              <a:rPr lang="ru-RU" b="1" dirty="0"/>
+              <a:t>Потребление ресурсов</a:t>
+            </a:r>
+            <a:r>
+              <a:rPr lang="ru-RU" dirty="0"/>
+              <a:t>: Требует дополнительных вычислительных ресурсов для управления четырьмя списками и динамического </a:t>
+            </a:r>
+            <a:r>
+              <a:rPr lang="ru-RU" dirty="0" err="1"/>
+              <a:t>адаптирования</a:t>
+            </a:r>
+            <a:r>
+              <a:rPr lang="ru-RU" dirty="0"/>
+              <a:t>.</a:t>
+            </a:r>
+          </a:p>
+        </p:txBody>
+      </p:sp>
+      <p:pic>
+        <p:nvPicPr>
+          <p:cNvPr id="4" name="Picture 2" descr="Picture background">
+            <a:extLst>
+              <a:ext uri="{FF2B5EF4-FFF2-40B4-BE49-F238E27FC236}">
+                <a16:creationId xmlns:a16="http://schemas.microsoft.com/office/drawing/2014/main" id="{53F6F5D1-65B2-46E1-B1E6-F5094589C5EE}"/>
+              </a:ext>
+            </a:extLst>
+          </p:cNvPr>
+          <p:cNvPicPr>
+            <a:picLocks noChangeAspect="1" noChangeArrowheads="1"/>
+          </p:cNvPicPr>
+          <p:nvPr/>
+        </p:nvPicPr>
+        <p:blipFill>
+          <a:blip r:embed="rId2">
+            <a:extLst>
+              <a:ext uri="{28A0092B-C50C-407E-A947-70E740481C1C}">
+                <a14:useLocalDpi xmlns:a14="http://schemas.microsoft.com/office/drawing/2010/main" val="0"/>
+              </a:ext>
+            </a:extLst>
+          </a:blip>
+          <a:srcRect/>
+          <a:stretch>
+            <a:fillRect/>
+          </a:stretch>
+        </p:blipFill>
+        <p:spPr bwMode="auto">
+          <a:xfrm>
+            <a:off x="84451" y="62666"/>
+            <a:ext cx="2218831" cy="1242603"/>
+          </a:xfrm>
+          <a:prstGeom prst="rect">
+            <a:avLst/>
+          </a:prstGeom>
+          <a:noFill/>
+          <a:extLst>
+            <a:ext uri="{909E8E84-426E-40DD-AFC4-6F175D3DCCD1}">
+              <a14:hiddenFill xmlns:a14="http://schemas.microsoft.com/office/drawing/2010/main">
+                <a:solidFill>
+                  <a:srgbClr val="FFFFFF"/>
+                </a:solidFill>
+              </a14:hiddenFill>
+            </a:ext>
+          </a:extLst>
+        </p:spPr>
+      </p:pic>
+      <p:cxnSp>
+        <p:nvCxnSpPr>
+          <p:cNvPr id="5" name="Прямая соединительная линия 4">
+            <a:extLst>
+              <a:ext uri="{FF2B5EF4-FFF2-40B4-BE49-F238E27FC236}">
+                <a16:creationId xmlns:a16="http://schemas.microsoft.com/office/drawing/2014/main" id="{31412FA2-E17B-400D-BAA0-413295B0D0A6}"/>
+              </a:ext>
+            </a:extLst>
+          </p:cNvPr>
+          <p:cNvCxnSpPr>
+            <a:cxnSpLocks/>
+          </p:cNvCxnSpPr>
+          <p:nvPr/>
+        </p:nvCxnSpPr>
+        <p:spPr>
+          <a:xfrm>
+            <a:off x="2875280" y="1386549"/>
+            <a:ext cx="7965440" cy="0"/>
+          </a:xfrm>
+          <a:prstGeom prst="line">
+            <a:avLst/>
+          </a:prstGeom>
+        </p:spPr>
+        <p:style>
+          <a:lnRef idx="2">
+            <a:schemeClr val="dk1"/>
+          </a:lnRef>
+          <a:fillRef idx="0">
+            <a:schemeClr val="dk1"/>
+          </a:fillRef>
+          <a:effectRef idx="1">
+            <a:schemeClr val="dk1"/>
+          </a:effectRef>
+          <a:fontRef idx="minor">
+            <a:schemeClr val="tx1"/>
+          </a:fontRef>
+        </p:style>
+      </p:cxnSp>
+      <p:sp>
+        <p:nvSpPr>
+          <p:cNvPr id="8" name="TextBox 7">
+            <a:extLst>
+              <a:ext uri="{FF2B5EF4-FFF2-40B4-BE49-F238E27FC236}">
+                <a16:creationId xmlns:a16="http://schemas.microsoft.com/office/drawing/2014/main" id="{340D2A2F-463E-4391-B20D-A3624A49174D}"/>
+              </a:ext>
+            </a:extLst>
+          </p:cNvPr>
+          <p:cNvSpPr txBox="1"/>
+          <p:nvPr/>
+        </p:nvSpPr>
+        <p:spPr>
+          <a:xfrm>
+            <a:off x="5872480" y="6502400"/>
+            <a:ext cx="45719" cy="369332"/>
+          </a:xfrm>
+          <a:prstGeom prst="rect">
+            <a:avLst/>
+          </a:prstGeom>
+          <a:noFill/>
+        </p:spPr>
+        <p:txBody>
+          <a:bodyPr wrap="square" rtlCol="0">
+            <a:spAutoFit/>
+          </a:bodyPr>
+          <a:lstStyle/>
+          <a:p>
+            <a:r>
+              <a:rPr lang="ru-RU" dirty="0"/>
+              <a:t>8</a:t>
+            </a:r>
           </a:p>
         </p:txBody>
       </p:sp>
